--- a/database/slides/HOLY_(YOUTH_JOY).pptx
+++ b/database/slides/HOLY_(YOUTH_JOY).pptx
@@ -15523,8 +15523,21 @@
                   <a:schemeClr val="lt1"/>
                 </a:solidFill>
               </a:rPr>
-              <a:t>Holy, Holy, Holy, Lord God of Host</a:t>
+              <a:t>Holy, Holy, Holy, Lord God </a:t>
             </a:r>
+            <a:r>
+              <a:rPr lang="en-US" sz="3800" b="1">
+                <a:solidFill>
+                  <a:schemeClr val="lt1"/>
+                </a:solidFill>
+              </a:rPr>
+              <a:t>of Hosts</a:t>
+            </a:r>
+            <a:endParaRPr lang="en-US" sz="3800" b="1" dirty="0">
+              <a:solidFill>
+                <a:schemeClr val="lt1"/>
+              </a:solidFill>
+            </a:endParaRPr>
           </a:p>
           <a:p>
             <a:pPr marL="114300" lvl="0" indent="0" algn="l" rtl="0">
